--- a/Finding Demand.pptx
+++ b/Finding Demand.pptx
@@ -9,6 +9,8 @@
     <p:sldId id="258" r:id="rId3"/>
     <p:sldId id="259" r:id="rId4"/>
     <p:sldId id="260" r:id="rId5"/>
+    <p:sldId id="261" r:id="rId6"/>
+    <p:sldId id="262" r:id="rId7"/>
   </p:sldIdLst>
   <p:sldSz cx="12192000" cy="6858000"/>
   <p:notesSz cx="6858000" cy="9144000"/>
@@ -107,6 +109,11 @@
       </a:defRPr>
     </a:lvl9pPr>
   </p:defaultTextStyle>
+  <p:extLst>
+    <p:ext uri="{EFAFB233-063F-42B5-8137-9DF3F51BA10A}">
+      <p15:sldGuideLst xmlns:p15="http://schemas.microsoft.com/office/powerpoint/2012/main"/>
+    </p:ext>
+  </p:extLst>
 </p:presentation>
 </file>
 
@@ -7712,7 +7719,7 @@
           <a:bodyPr/>
           <a:lstStyle/>
           <a:p>
-            <a:endParaRPr lang="en-US"/>
+            <a:endParaRPr lang="en-US" dirty="0"/>
           </a:p>
         </p:txBody>
       </p:sp>
@@ -14350,6 +14357,352 @@
     <p:extLst>
       <p:ext uri="{BB962C8B-B14F-4D97-AF65-F5344CB8AC3E}">
         <p14:creationId xmlns:p14="http://schemas.microsoft.com/office/powerpoint/2010/main" val="315466077"/>
+      </p:ext>
+    </p:extLst>
+  </p:cSld>
+  <p:clrMapOvr>
+    <a:masterClrMapping/>
+  </p:clrMapOvr>
+</p:sld>
+</file>
+
+<file path=ppt/slides/slide5.xml><?xml version="1.0" encoding="utf-8"?>
+<p:sld xmlns:a="http://schemas.openxmlformats.org/drawingml/2006/main" xmlns:r="http://schemas.openxmlformats.org/officeDocument/2006/relationships" xmlns:p="http://schemas.openxmlformats.org/presentationml/2006/main">
+  <p:cSld>
+    <p:spTree>
+      <p:nvGrpSpPr>
+        <p:cNvPr id="1" name=""/>
+        <p:cNvGrpSpPr/>
+        <p:nvPr/>
+      </p:nvGrpSpPr>
+      <p:grpSpPr>
+        <a:xfrm>
+          <a:off x="0" y="0"/>
+          <a:ext cx="0" cy="0"/>
+          <a:chOff x="0" y="0"/>
+          <a:chExt cx="0" cy="0"/>
+        </a:xfrm>
+      </p:grpSpPr>
+      <p:sp>
+        <p:nvSpPr>
+          <p:cNvPr id="2" name="Title 1"/>
+          <p:cNvSpPr>
+            <a:spLocks noGrp="1"/>
+          </p:cNvSpPr>
+          <p:nvPr>
+            <p:ph type="title"/>
+          </p:nvPr>
+        </p:nvSpPr>
+        <p:spPr/>
+        <p:txBody>
+          <a:bodyPr/>
+          <a:lstStyle/>
+          <a:p>
+            <a:r>
+              <a:rPr lang="en-US" dirty="0" smtClean="0"/>
+              <a:t>Butter Trade</a:t>
+            </a:r>
+            <a:endParaRPr lang="en-US" dirty="0"/>
+          </a:p>
+        </p:txBody>
+      </p:sp>
+      <p:pic>
+        <p:nvPicPr>
+          <p:cNvPr id="5" name="Content Placeholder 4"/>
+          <p:cNvPicPr>
+            <a:picLocks noGrp="1" noChangeAspect="1"/>
+          </p:cNvPicPr>
+          <p:nvPr>
+            <p:ph sz="half" idx="1"/>
+          </p:nvPr>
+        </p:nvPicPr>
+        <p:blipFill>
+          <a:blip r:embed="rId2" cstate="print">
+            <a:extLst>
+              <a:ext uri="{28A0092B-C50C-407E-A947-70E740481C1C}">
+                <a14:useLocalDpi xmlns:a14="http://schemas.microsoft.com/office/drawing/2010/main" val="0"/>
+              </a:ext>
+            </a:extLst>
+          </a:blip>
+          <a:stretch>
+            <a:fillRect/>
+          </a:stretch>
+        </p:blipFill>
+        <p:spPr>
+          <a:xfrm>
+            <a:off x="678086" y="2771257"/>
+            <a:ext cx="5361974" cy="2902775"/>
+          </a:xfrm>
+        </p:spPr>
+      </p:pic>
+      <p:pic>
+        <p:nvPicPr>
+          <p:cNvPr id="6" name="Content Placeholder 5"/>
+          <p:cNvPicPr>
+            <a:picLocks noGrp="1" noChangeAspect="1"/>
+          </p:cNvPicPr>
+          <p:nvPr>
+            <p:ph sz="half" idx="2"/>
+          </p:nvPr>
+        </p:nvPicPr>
+        <p:blipFill>
+          <a:blip r:embed="rId3" cstate="print">
+            <a:extLst>
+              <a:ext uri="{28A0092B-C50C-407E-A947-70E740481C1C}">
+                <a14:useLocalDpi xmlns:a14="http://schemas.microsoft.com/office/drawing/2010/main" val="0"/>
+              </a:ext>
+            </a:extLst>
+          </a:blip>
+          <a:stretch>
+            <a:fillRect/>
+          </a:stretch>
+        </p:blipFill>
+        <p:spPr>
+          <a:xfrm>
+            <a:off x="6876363" y="2771257"/>
+            <a:ext cx="4943266" cy="2902775"/>
+          </a:xfrm>
+        </p:spPr>
+      </p:pic>
+      <p:sp>
+        <p:nvSpPr>
+          <p:cNvPr id="7" name="Rectangle 6"/>
+          <p:cNvSpPr/>
+          <p:nvPr/>
+        </p:nvSpPr>
+        <p:spPr>
+          <a:xfrm>
+            <a:off x="1972315" y="2107296"/>
+            <a:ext cx="2773516" cy="461665"/>
+          </a:xfrm>
+          <a:prstGeom prst="rect">
+            <a:avLst/>
+          </a:prstGeom>
+          <a:noFill/>
+        </p:spPr>
+        <p:txBody>
+          <a:bodyPr wrap="none" lIns="91440" tIns="45720" rIns="91440" bIns="45720">
+            <a:spAutoFit/>
+          </a:bodyPr>
+          <a:lstStyle/>
+          <a:p>
+            <a:pPr algn="ctr"/>
+            <a:r>
+              <a:rPr lang="en-US" sz="2400" b="0" cap="none" spc="0" dirty="0" smtClean="0">
+                <a:ln w="0"/>
+                <a:solidFill>
+                  <a:schemeClr val="tx1"/>
+                </a:solidFill>
+                <a:effectLst>
+                  <a:outerShdw blurRad="38100" dist="19050" dir="2700000" algn="tl" rotWithShape="0">
+                    <a:schemeClr val="dk1">
+                      <a:alpha val="40000"/>
+                    </a:schemeClr>
+                  </a:outerShdw>
+                </a:effectLst>
+              </a:rPr>
+              <a:t>Imports vs Exports</a:t>
+            </a:r>
+            <a:endParaRPr lang="en-US" sz="2400" b="0" cap="none" spc="0" dirty="0">
+              <a:ln w="0"/>
+              <a:solidFill>
+                <a:schemeClr val="tx1"/>
+              </a:solidFill>
+              <a:effectLst>
+                <a:outerShdw blurRad="38100" dist="19050" dir="2700000" algn="tl" rotWithShape="0">
+                  <a:schemeClr val="dk1">
+                    <a:alpha val="40000"/>
+                  </a:schemeClr>
+                </a:outerShdw>
+              </a:effectLst>
+            </a:endParaRPr>
+          </a:p>
+        </p:txBody>
+      </p:sp>
+      <p:sp>
+        <p:nvSpPr>
+          <p:cNvPr id="8" name="Rectangle 7"/>
+          <p:cNvSpPr/>
+          <p:nvPr/>
+        </p:nvSpPr>
+        <p:spPr>
+          <a:xfrm>
+            <a:off x="8426109" y="2107296"/>
+            <a:ext cx="1843774" cy="461665"/>
+          </a:xfrm>
+          <a:prstGeom prst="rect">
+            <a:avLst/>
+          </a:prstGeom>
+          <a:noFill/>
+        </p:spPr>
+        <p:txBody>
+          <a:bodyPr wrap="none" lIns="91440" tIns="45720" rIns="91440" bIns="45720">
+            <a:spAutoFit/>
+          </a:bodyPr>
+          <a:lstStyle/>
+          <a:p>
+            <a:pPr algn="ctr"/>
+            <a:r>
+              <a:rPr lang="en-US" sz="2400" b="0" cap="none" spc="0" dirty="0" smtClean="0">
+                <a:ln w="0"/>
+                <a:solidFill>
+                  <a:schemeClr val="tx1"/>
+                </a:solidFill>
+                <a:effectLst>
+                  <a:outerShdw blurRad="38100" dist="19050" dir="2700000" algn="tl" rotWithShape="0">
+                    <a:schemeClr val="dk1">
+                      <a:alpha val="40000"/>
+                    </a:schemeClr>
+                  </a:outerShdw>
+                </a:effectLst>
+              </a:rPr>
+              <a:t>Net Exports</a:t>
+            </a:r>
+            <a:endParaRPr lang="en-US" sz="2400" b="0" cap="none" spc="0" dirty="0">
+              <a:ln w="0"/>
+              <a:solidFill>
+                <a:schemeClr val="tx1"/>
+              </a:solidFill>
+              <a:effectLst>
+                <a:outerShdw blurRad="38100" dist="19050" dir="2700000" algn="tl" rotWithShape="0">
+                  <a:schemeClr val="dk1">
+                    <a:alpha val="40000"/>
+                  </a:schemeClr>
+                </a:outerShdw>
+              </a:effectLst>
+            </a:endParaRPr>
+          </a:p>
+        </p:txBody>
+      </p:sp>
+      <p:sp>
+        <p:nvSpPr>
+          <p:cNvPr id="9" name="TextBox 8"/>
+          <p:cNvSpPr txBox="1"/>
+          <p:nvPr/>
+        </p:nvSpPr>
+        <p:spPr>
+          <a:xfrm>
+            <a:off x="4859706" y="5651157"/>
+            <a:ext cx="4378122" cy="369332"/>
+          </a:xfrm>
+          <a:prstGeom prst="rect">
+            <a:avLst/>
+          </a:prstGeom>
+          <a:noFill/>
+        </p:spPr>
+        <p:txBody>
+          <a:bodyPr wrap="none" rtlCol="0">
+            <a:spAutoFit/>
+          </a:bodyPr>
+          <a:lstStyle/>
+          <a:p>
+            <a:r>
+              <a:rPr lang="en-US" dirty="0" smtClean="0"/>
+              <a:t>Exporting more butter than we import</a:t>
+            </a:r>
+            <a:endParaRPr lang="en-US" dirty="0"/>
+          </a:p>
+        </p:txBody>
+      </p:sp>
+    </p:spTree>
+    <p:extLst>
+      <p:ext uri="{BB962C8B-B14F-4D97-AF65-F5344CB8AC3E}">
+        <p14:creationId xmlns:p14="http://schemas.microsoft.com/office/powerpoint/2010/main" val="345041614"/>
+      </p:ext>
+    </p:extLst>
+  </p:cSld>
+  <p:clrMapOvr>
+    <a:masterClrMapping/>
+  </p:clrMapOvr>
+</p:sld>
+</file>
+
+<file path=ppt/slides/slide6.xml><?xml version="1.0" encoding="utf-8"?>
+<p:sld xmlns:a="http://schemas.openxmlformats.org/drawingml/2006/main" xmlns:r="http://schemas.openxmlformats.org/officeDocument/2006/relationships" xmlns:p="http://schemas.openxmlformats.org/presentationml/2006/main">
+  <p:cSld>
+    <p:spTree>
+      <p:nvGrpSpPr>
+        <p:cNvPr id="1" name=""/>
+        <p:cNvGrpSpPr/>
+        <p:nvPr/>
+      </p:nvGrpSpPr>
+      <p:grpSpPr>
+        <a:xfrm>
+          <a:off x="0" y="0"/>
+          <a:ext cx="0" cy="0"/>
+          <a:chOff x="0" y="0"/>
+          <a:chExt cx="0" cy="0"/>
+        </a:xfrm>
+      </p:grpSpPr>
+      <p:sp>
+        <p:nvSpPr>
+          <p:cNvPr id="2" name="Title 1"/>
+          <p:cNvSpPr>
+            <a:spLocks noGrp="1"/>
+          </p:cNvSpPr>
+          <p:nvPr>
+            <p:ph type="title"/>
+          </p:nvPr>
+        </p:nvSpPr>
+        <p:spPr/>
+        <p:txBody>
+          <a:bodyPr/>
+          <a:lstStyle/>
+          <a:p>
+            <a:r>
+              <a:rPr lang="en-US" dirty="0" smtClean="0"/>
+              <a:t>Conclusion…</a:t>
+            </a:r>
+            <a:endParaRPr lang="en-US" dirty="0"/>
+          </a:p>
+        </p:txBody>
+      </p:sp>
+      <p:sp>
+        <p:nvSpPr>
+          <p:cNvPr id="5" name="Content Placeholder 4"/>
+          <p:cNvSpPr>
+            <a:spLocks noGrp="1"/>
+          </p:cNvSpPr>
+          <p:nvPr>
+            <p:ph idx="1"/>
+          </p:nvPr>
+        </p:nvSpPr>
+        <p:spPr/>
+        <p:txBody>
+          <a:bodyPr/>
+          <a:lstStyle/>
+          <a:p>
+            <a:r>
+              <a:rPr lang="en-US" dirty="0" smtClean="0"/>
+              <a:t>Butter market is growing</a:t>
+            </a:r>
+          </a:p>
+          <a:p>
+            <a:pPr lvl="1"/>
+            <a:r>
+              <a:rPr lang="en-US" dirty="0" smtClean="0"/>
+              <a:t>Demand is up and production is keeping up</a:t>
+            </a:r>
+          </a:p>
+          <a:p>
+            <a:r>
+              <a:rPr lang="en-US" dirty="0" smtClean="0"/>
+              <a:t>Demand for butter peaks in November</a:t>
+            </a:r>
+          </a:p>
+          <a:p>
+            <a:r>
+              <a:rPr lang="en-US" dirty="0" smtClean="0"/>
+              <a:t>Net trade is positive, we are exporting more butter than importing</a:t>
+            </a:r>
+            <a:endParaRPr lang="en-US" dirty="0"/>
+          </a:p>
+        </p:txBody>
+      </p:sp>
+    </p:spTree>
+    <p:extLst>
+      <p:ext uri="{BB962C8B-B14F-4D97-AF65-F5344CB8AC3E}">
+        <p14:creationId xmlns:p14="http://schemas.microsoft.com/office/powerpoint/2010/main" val="938169134"/>
       </p:ext>
     </p:extLst>
   </p:cSld>
